--- a/Seismic Drones/CASE-2016/pictures/introduction_fig_1.pptx
+++ b/Seismic Drones/CASE-2016/pictures/introduction_fig_1.pptx
@@ -243,7 +243,7 @@
           <a:p>
             <a:fld id="{3EEE211C-6934-40BB-B212-2EF4984C09F6}" type="datetimeFigureOut">
               <a:rPr lang="en-US" smtClean="0"/>
-              <a:t>3/5/2016</a:t>
+              <a:t>3/8/2016</a:t>
             </a:fld>
             <a:endParaRPr lang="en-US"/>
           </a:p>
@@ -413,7 +413,7 @@
           <a:p>
             <a:fld id="{3EEE211C-6934-40BB-B212-2EF4984C09F6}" type="datetimeFigureOut">
               <a:rPr lang="en-US" smtClean="0"/>
-              <a:t>3/5/2016</a:t>
+              <a:t>3/8/2016</a:t>
             </a:fld>
             <a:endParaRPr lang="en-US"/>
           </a:p>
@@ -593,7 +593,7 @@
           <a:p>
             <a:fld id="{3EEE211C-6934-40BB-B212-2EF4984C09F6}" type="datetimeFigureOut">
               <a:rPr lang="en-US" smtClean="0"/>
-              <a:t>3/5/2016</a:t>
+              <a:t>3/8/2016</a:t>
             </a:fld>
             <a:endParaRPr lang="en-US"/>
           </a:p>
@@ -763,7 +763,7 @@
           <a:p>
             <a:fld id="{3EEE211C-6934-40BB-B212-2EF4984C09F6}" type="datetimeFigureOut">
               <a:rPr lang="en-US" smtClean="0"/>
-              <a:t>3/5/2016</a:t>
+              <a:t>3/8/2016</a:t>
             </a:fld>
             <a:endParaRPr lang="en-US"/>
           </a:p>
@@ -1007,7 +1007,7 @@
           <a:p>
             <a:fld id="{3EEE211C-6934-40BB-B212-2EF4984C09F6}" type="datetimeFigureOut">
               <a:rPr lang="en-US" smtClean="0"/>
-              <a:t>3/5/2016</a:t>
+              <a:t>3/8/2016</a:t>
             </a:fld>
             <a:endParaRPr lang="en-US"/>
           </a:p>
@@ -1239,7 +1239,7 @@
           <a:p>
             <a:fld id="{3EEE211C-6934-40BB-B212-2EF4984C09F6}" type="datetimeFigureOut">
               <a:rPr lang="en-US" smtClean="0"/>
-              <a:t>3/5/2016</a:t>
+              <a:t>3/8/2016</a:t>
             </a:fld>
             <a:endParaRPr lang="en-US"/>
           </a:p>
@@ -1606,7 +1606,7 @@
           <a:p>
             <a:fld id="{3EEE211C-6934-40BB-B212-2EF4984C09F6}" type="datetimeFigureOut">
               <a:rPr lang="en-US" smtClean="0"/>
-              <a:t>3/5/2016</a:t>
+              <a:t>3/8/2016</a:t>
             </a:fld>
             <a:endParaRPr lang="en-US"/>
           </a:p>
@@ -1724,7 +1724,7 @@
           <a:p>
             <a:fld id="{3EEE211C-6934-40BB-B212-2EF4984C09F6}" type="datetimeFigureOut">
               <a:rPr lang="en-US" smtClean="0"/>
-              <a:t>3/5/2016</a:t>
+              <a:t>3/8/2016</a:t>
             </a:fld>
             <a:endParaRPr lang="en-US"/>
           </a:p>
@@ -1819,7 +1819,7 @@
           <a:p>
             <a:fld id="{3EEE211C-6934-40BB-B212-2EF4984C09F6}" type="datetimeFigureOut">
               <a:rPr lang="en-US" smtClean="0"/>
-              <a:t>3/5/2016</a:t>
+              <a:t>3/8/2016</a:t>
             </a:fld>
             <a:endParaRPr lang="en-US"/>
           </a:p>
@@ -2096,7 +2096,7 @@
           <a:p>
             <a:fld id="{3EEE211C-6934-40BB-B212-2EF4984C09F6}" type="datetimeFigureOut">
               <a:rPr lang="en-US" smtClean="0"/>
-              <a:t>3/5/2016</a:t>
+              <a:t>3/8/2016</a:t>
             </a:fld>
             <a:endParaRPr lang="en-US"/>
           </a:p>
@@ -2353,7 +2353,7 @@
           <a:p>
             <a:fld id="{3EEE211C-6934-40BB-B212-2EF4984C09F6}" type="datetimeFigureOut">
               <a:rPr lang="en-US" smtClean="0"/>
-              <a:t>3/5/2016</a:t>
+              <a:t>3/8/2016</a:t>
             </a:fld>
             <a:endParaRPr lang="en-US"/>
           </a:p>
@@ -2566,7 +2566,7 @@
           <a:p>
             <a:fld id="{3EEE211C-6934-40BB-B212-2EF4984C09F6}" type="datetimeFigureOut">
               <a:rPr lang="en-US" smtClean="0"/>
-              <a:t>3/5/2016</a:t>
+              <a:t>3/8/2016</a:t>
             </a:fld>
             <a:endParaRPr lang="en-US"/>
           </a:p>
@@ -2979,10 +2979,10 @@
         </p:nvGrpSpPr>
         <p:grpSpPr>
           <a:xfrm>
-            <a:off x="92015" y="-29644"/>
-            <a:ext cx="4368778" cy="6176196"/>
-            <a:chOff x="-22282" y="3012"/>
-            <a:chExt cx="4368778" cy="6176196"/>
+            <a:off x="92015" y="74324"/>
+            <a:ext cx="4368778" cy="6072228"/>
+            <a:chOff x="-22282" y="106980"/>
+            <a:chExt cx="4368778" cy="6072228"/>
           </a:xfrm>
         </p:grpSpPr>
         <p:pic>
@@ -3028,10 +3028,10 @@
           </p:nvGrpSpPr>
           <p:grpSpPr>
             <a:xfrm>
-              <a:off x="-22282" y="3012"/>
-              <a:ext cx="3926707" cy="6176196"/>
-              <a:chOff x="101656" y="94293"/>
-              <a:chExt cx="3926707" cy="6176196"/>
+              <a:off x="-22282" y="106980"/>
+              <a:ext cx="3926707" cy="6072228"/>
+              <a:chOff x="101656" y="198261"/>
+              <a:chExt cx="3926707" cy="6072228"/>
             </a:xfrm>
           </p:grpSpPr>
           <p:pic>
@@ -3100,7 +3100,7 @@
             </p:nvSpPr>
             <p:spPr>
               <a:xfrm>
-                <a:off x="118467" y="94293"/>
+                <a:off x="126631" y="208589"/>
                 <a:ext cx="494676" cy="316882"/>
               </a:xfrm>
               <a:prstGeom prst="rect">
@@ -3133,7 +3133,7 @@
             </p:nvSpPr>
             <p:spPr>
               <a:xfrm>
-                <a:off x="2199452" y="94293"/>
+                <a:off x="2272928" y="208589"/>
                 <a:ext cx="494676" cy="316882"/>
               </a:xfrm>
               <a:prstGeom prst="rect">
@@ -3166,7 +3166,7 @@
             </p:nvSpPr>
             <p:spPr>
               <a:xfrm>
-                <a:off x="101656" y="2932275"/>
+                <a:off x="126148" y="2932275"/>
                 <a:ext cx="494676" cy="316882"/>
               </a:xfrm>
               <a:prstGeom prst="rect">
@@ -3193,6 +3193,460 @@
           </p:sp>
         </p:grpSp>
       </p:grpSp>
+      <p:sp>
+        <p:nvSpPr>
+          <p:cNvPr id="2" name="Oval 1"/>
+          <p:cNvSpPr/>
+          <p:nvPr/>
+        </p:nvSpPr>
+        <p:spPr>
+          <a:xfrm>
+            <a:off x="2841171" y="4996543"/>
+            <a:ext cx="587829" cy="1150009"/>
+          </a:xfrm>
+          <a:prstGeom prst="ellipse">
+            <a:avLst/>
+          </a:prstGeom>
+          <a:noFill/>
+          <a:ln w="28575">
+            <a:solidFill>
+              <a:schemeClr val="tx1"/>
+            </a:solidFill>
+          </a:ln>
+        </p:spPr>
+        <p:style>
+          <a:lnRef idx="2">
+            <a:schemeClr val="accent1">
+              <a:shade val="50000"/>
+            </a:schemeClr>
+          </a:lnRef>
+          <a:fillRef idx="1">
+            <a:schemeClr val="accent1"/>
+          </a:fillRef>
+          <a:effectRef idx="0">
+            <a:schemeClr val="accent1"/>
+          </a:effectRef>
+          <a:fontRef idx="minor">
+            <a:schemeClr val="lt1"/>
+          </a:fontRef>
+        </p:style>
+        <p:txBody>
+          <a:bodyPr rtlCol="0" anchor="ctr"/>
+          <a:lstStyle/>
+          <a:p>
+            <a:pPr algn="ctr"/>
+            <a:endParaRPr lang="en-US"/>
+          </a:p>
+        </p:txBody>
+      </p:sp>
+      <p:grpSp>
+        <p:nvGrpSpPr>
+          <p:cNvPr id="13" name="Group 12"/>
+          <p:cNvGrpSpPr/>
+          <p:nvPr/>
+        </p:nvGrpSpPr>
+        <p:grpSpPr>
+          <a:xfrm>
+            <a:off x="2645228" y="3886200"/>
+            <a:ext cx="1289957" cy="759279"/>
+            <a:chOff x="4580164" y="3853543"/>
+            <a:chExt cx="1289957" cy="759279"/>
+          </a:xfrm>
+        </p:grpSpPr>
+        <p:sp>
+          <p:nvSpPr>
+            <p:cNvPr id="6" name="Rectangle 5"/>
+            <p:cNvSpPr/>
+            <p:nvPr/>
+          </p:nvSpPr>
+          <p:spPr>
+            <a:xfrm>
+              <a:off x="4580164" y="3853543"/>
+              <a:ext cx="1289957" cy="759279"/>
+            </a:xfrm>
+            <a:prstGeom prst="rect">
+              <a:avLst/>
+            </a:prstGeom>
+            <a:solidFill>
+              <a:schemeClr val="accent1">
+                <a:alpha val="50000"/>
+              </a:schemeClr>
+            </a:solidFill>
+            <a:effectLst>
+              <a:glow rad="127000">
+                <a:schemeClr val="accent1">
+                  <a:alpha val="0"/>
+                </a:schemeClr>
+              </a:glow>
+              <a:reflection stA="0" endPos="65000" dist="50800" dir="5400000" sy="-100000" algn="bl" rotWithShape="0"/>
+            </a:effectLst>
+          </p:spPr>
+          <p:style>
+            <a:lnRef idx="2">
+              <a:schemeClr val="accent1">
+                <a:shade val="50000"/>
+              </a:schemeClr>
+            </a:lnRef>
+            <a:fillRef idx="1">
+              <a:schemeClr val="accent1"/>
+            </a:fillRef>
+            <a:effectRef idx="0">
+              <a:schemeClr val="accent1"/>
+            </a:effectRef>
+            <a:fontRef idx="minor">
+              <a:schemeClr val="lt1"/>
+            </a:fontRef>
+          </p:style>
+          <p:txBody>
+            <a:bodyPr rtlCol="0" anchor="ctr"/>
+            <a:lstStyle/>
+            <a:p>
+              <a:pPr algn="ctr"/>
+              <a:endParaRPr lang="en-US"/>
+            </a:p>
+          </p:txBody>
+        </p:sp>
+        <p:sp>
+          <p:nvSpPr>
+            <p:cNvPr id="5" name="TextBox 4"/>
+            <p:cNvSpPr txBox="1"/>
+            <p:nvPr/>
+          </p:nvSpPr>
+          <p:spPr>
+            <a:xfrm>
+              <a:off x="4580164" y="3869926"/>
+              <a:ext cx="1281793" cy="742896"/>
+            </a:xfrm>
+            <a:prstGeom prst="rect">
+              <a:avLst/>
+            </a:prstGeom>
+            <a:noFill/>
+          </p:spPr>
+          <p:txBody>
+            <a:bodyPr wrap="square" rtlCol="0">
+              <a:spAutoFit/>
+            </a:bodyPr>
+            <a:lstStyle/>
+            <a:p>
+              <a:pPr algn="ctr"/>
+              <a:r>
+                <a:rPr lang="en-US" dirty="0" smtClean="0"/>
+                <a:t>One of the four geophone sensors</a:t>
+              </a:r>
+              <a:endParaRPr lang="en-US" dirty="0"/>
+            </a:p>
+          </p:txBody>
+        </p:sp>
+      </p:grpSp>
+      <p:grpSp>
+        <p:nvGrpSpPr>
+          <p:cNvPr id="23" name="Group 22"/>
+          <p:cNvGrpSpPr/>
+          <p:nvPr/>
+        </p:nvGrpSpPr>
+        <p:grpSpPr>
+          <a:xfrm>
+            <a:off x="1212504" y="5571547"/>
+            <a:ext cx="1298121" cy="531484"/>
+            <a:chOff x="5301343" y="4797880"/>
+            <a:chExt cx="1298121" cy="531484"/>
+          </a:xfrm>
+        </p:grpSpPr>
+        <p:sp>
+          <p:nvSpPr>
+            <p:cNvPr id="20" name="Rectangle 19"/>
+            <p:cNvSpPr/>
+            <p:nvPr/>
+          </p:nvSpPr>
+          <p:spPr>
+            <a:xfrm>
+              <a:off x="5309507" y="4797880"/>
+              <a:ext cx="1289957" cy="531484"/>
+            </a:xfrm>
+            <a:prstGeom prst="rect">
+              <a:avLst/>
+            </a:prstGeom>
+            <a:solidFill>
+              <a:schemeClr val="accent1">
+                <a:alpha val="50000"/>
+              </a:schemeClr>
+            </a:solidFill>
+            <a:effectLst>
+              <a:glow rad="127000">
+                <a:schemeClr val="accent1">
+                  <a:alpha val="0"/>
+                </a:schemeClr>
+              </a:glow>
+              <a:reflection stA="0" endPos="65000" dist="50800" dir="5400000" sy="-100000" algn="bl" rotWithShape="0"/>
+            </a:effectLst>
+          </p:spPr>
+          <p:style>
+            <a:lnRef idx="2">
+              <a:schemeClr val="accent1">
+                <a:shade val="50000"/>
+              </a:schemeClr>
+            </a:lnRef>
+            <a:fillRef idx="1">
+              <a:schemeClr val="accent1"/>
+            </a:fillRef>
+            <a:effectRef idx="0">
+              <a:schemeClr val="accent1"/>
+            </a:effectRef>
+            <a:fontRef idx="minor">
+              <a:schemeClr val="lt1"/>
+            </a:fontRef>
+          </p:style>
+          <p:txBody>
+            <a:bodyPr rtlCol="0" anchor="ctr"/>
+            <a:lstStyle/>
+            <a:p>
+              <a:pPr algn="ctr"/>
+              <a:endParaRPr lang="en-US"/>
+            </a:p>
+          </p:txBody>
+        </p:sp>
+        <p:sp>
+          <p:nvSpPr>
+            <p:cNvPr id="14" name="TextBox 13"/>
+            <p:cNvSpPr txBox="1"/>
+            <p:nvPr/>
+          </p:nvSpPr>
+          <p:spPr>
+            <a:xfrm>
+              <a:off x="5301343" y="4803322"/>
+              <a:ext cx="1281793" cy="526041"/>
+            </a:xfrm>
+            <a:prstGeom prst="rect">
+              <a:avLst/>
+            </a:prstGeom>
+            <a:noFill/>
+          </p:spPr>
+          <p:txBody>
+            <a:bodyPr wrap="square" rtlCol="0">
+              <a:spAutoFit/>
+            </a:bodyPr>
+            <a:lstStyle/>
+            <a:p>
+              <a:pPr algn="ctr"/>
+              <a:r>
+                <a:rPr lang="en-US" dirty="0" smtClean="0"/>
+                <a:t>Alignment Frame</a:t>
+              </a:r>
+              <a:endParaRPr lang="en-US" dirty="0"/>
+            </a:p>
+          </p:txBody>
+        </p:sp>
+      </p:grpSp>
+      <p:grpSp>
+        <p:nvGrpSpPr>
+          <p:cNvPr id="22" name="Group 21"/>
+          <p:cNvGrpSpPr/>
+          <p:nvPr/>
+        </p:nvGrpSpPr>
+        <p:grpSpPr>
+          <a:xfrm>
+            <a:off x="116507" y="3886200"/>
+            <a:ext cx="1289957" cy="526042"/>
+            <a:chOff x="5270609" y="3818163"/>
+            <a:chExt cx="1289957" cy="526042"/>
+          </a:xfrm>
+        </p:grpSpPr>
+        <p:sp>
+          <p:nvSpPr>
+            <p:cNvPr id="17" name="Rectangle 16"/>
+            <p:cNvSpPr/>
+            <p:nvPr/>
+          </p:nvSpPr>
+          <p:spPr>
+            <a:xfrm>
+              <a:off x="5270609" y="3818165"/>
+              <a:ext cx="1289957" cy="526040"/>
+            </a:xfrm>
+            <a:prstGeom prst="rect">
+              <a:avLst/>
+            </a:prstGeom>
+            <a:solidFill>
+              <a:schemeClr val="accent1">
+                <a:alpha val="50000"/>
+              </a:schemeClr>
+            </a:solidFill>
+            <a:effectLst>
+              <a:glow rad="127000">
+                <a:schemeClr val="accent1">
+                  <a:alpha val="0"/>
+                </a:schemeClr>
+              </a:glow>
+              <a:reflection stA="0" endPos="65000" dist="50800" dir="5400000" sy="-100000" algn="bl" rotWithShape="0"/>
+            </a:effectLst>
+          </p:spPr>
+          <p:style>
+            <a:lnRef idx="2">
+              <a:schemeClr val="accent1">
+                <a:shade val="50000"/>
+              </a:schemeClr>
+            </a:lnRef>
+            <a:fillRef idx="1">
+              <a:schemeClr val="accent1"/>
+            </a:fillRef>
+            <a:effectRef idx="0">
+              <a:schemeClr val="accent1"/>
+            </a:effectRef>
+            <a:fontRef idx="minor">
+              <a:schemeClr val="lt1"/>
+            </a:fontRef>
+          </p:style>
+          <p:txBody>
+            <a:bodyPr rtlCol="0" anchor="ctr"/>
+            <a:lstStyle/>
+            <a:p>
+              <a:pPr algn="ctr"/>
+              <a:endParaRPr lang="en-US"/>
+            </a:p>
+          </p:txBody>
+        </p:sp>
+        <p:sp>
+          <p:nvSpPr>
+            <p:cNvPr id="15" name="TextBox 14"/>
+            <p:cNvSpPr txBox="1"/>
+            <p:nvPr/>
+          </p:nvSpPr>
+          <p:spPr>
+            <a:xfrm>
+              <a:off x="5270609" y="3818163"/>
+              <a:ext cx="1281793" cy="526041"/>
+            </a:xfrm>
+            <a:prstGeom prst="rect">
+              <a:avLst/>
+            </a:prstGeom>
+            <a:noFill/>
+          </p:spPr>
+          <p:txBody>
+            <a:bodyPr wrap="square" rtlCol="0">
+              <a:spAutoFit/>
+            </a:bodyPr>
+            <a:lstStyle/>
+            <a:p>
+              <a:pPr algn="ctr"/>
+              <a:r>
+                <a:rPr lang="en-US" dirty="0" smtClean="0"/>
+                <a:t>Seismic Recorder</a:t>
+              </a:r>
+            </a:p>
+          </p:txBody>
+        </p:sp>
+      </p:grpSp>
+      <p:cxnSp>
+        <p:nvCxnSpPr>
+          <p:cNvPr id="27" name="Straight Arrow Connector 26"/>
+          <p:cNvCxnSpPr/>
+          <p:nvPr/>
+        </p:nvCxnSpPr>
+        <p:spPr>
+          <a:xfrm flipV="1">
+            <a:off x="3134364" y="4645479"/>
+            <a:ext cx="151760" cy="351064"/>
+          </a:xfrm>
+          <a:prstGeom prst="straightConnector1">
+            <a:avLst/>
+          </a:prstGeom>
+          <a:ln w="28575">
+            <a:solidFill>
+              <a:schemeClr val="tx1"/>
+            </a:solidFill>
+            <a:tailEnd type="triangle"/>
+          </a:ln>
+        </p:spPr>
+        <p:style>
+          <a:lnRef idx="1">
+            <a:schemeClr val="accent1"/>
+          </a:lnRef>
+          <a:fillRef idx="0">
+            <a:schemeClr val="accent1"/>
+          </a:fillRef>
+          <a:effectRef idx="0">
+            <a:schemeClr val="accent1"/>
+          </a:effectRef>
+          <a:fontRef idx="minor">
+            <a:schemeClr val="tx1"/>
+          </a:fontRef>
+        </p:style>
+      </p:cxnSp>
+      <p:cxnSp>
+        <p:nvCxnSpPr>
+          <p:cNvPr id="29" name="Straight Arrow Connector 28"/>
+          <p:cNvCxnSpPr>
+            <a:endCxn id="14" idx="0"/>
+          </p:cNvCxnSpPr>
+          <p:nvPr/>
+        </p:nvCxnSpPr>
+        <p:spPr>
+          <a:xfrm flipH="1">
+            <a:off x="1853401" y="5220483"/>
+            <a:ext cx="210373" cy="356506"/>
+          </a:xfrm>
+          <a:prstGeom prst="straightConnector1">
+            <a:avLst/>
+          </a:prstGeom>
+          <a:ln w="28575">
+            <a:solidFill>
+              <a:schemeClr val="tx1"/>
+            </a:solidFill>
+            <a:tailEnd type="triangle"/>
+          </a:ln>
+        </p:spPr>
+        <p:style>
+          <a:lnRef idx="1">
+            <a:schemeClr val="accent1"/>
+          </a:lnRef>
+          <a:fillRef idx="0">
+            <a:schemeClr val="accent1"/>
+          </a:fillRef>
+          <a:effectRef idx="0">
+            <a:schemeClr val="accent1"/>
+          </a:effectRef>
+          <a:fontRef idx="minor">
+            <a:schemeClr val="tx1"/>
+          </a:fontRef>
+        </p:style>
+      </p:cxnSp>
+      <p:cxnSp>
+        <p:nvCxnSpPr>
+          <p:cNvPr id="31" name="Straight Arrow Connector 30"/>
+          <p:cNvCxnSpPr>
+            <a:endCxn id="17" idx="2"/>
+          </p:cNvCxnSpPr>
+          <p:nvPr/>
+        </p:nvCxnSpPr>
+        <p:spPr>
+          <a:xfrm flipH="1" flipV="1">
+            <a:off x="761486" y="4412242"/>
+            <a:ext cx="724414" cy="401400"/>
+          </a:xfrm>
+          <a:prstGeom prst="straightConnector1">
+            <a:avLst/>
+          </a:prstGeom>
+          <a:ln w="28575">
+            <a:solidFill>
+              <a:schemeClr val="tx1"/>
+            </a:solidFill>
+            <a:tailEnd type="triangle"/>
+          </a:ln>
+        </p:spPr>
+        <p:style>
+          <a:lnRef idx="1">
+            <a:schemeClr val="accent1"/>
+          </a:lnRef>
+          <a:fillRef idx="0">
+            <a:schemeClr val="accent1"/>
+          </a:fillRef>
+          <a:effectRef idx="0">
+            <a:schemeClr val="accent1"/>
+          </a:effectRef>
+          <a:fontRef idx="minor">
+            <a:schemeClr val="tx1"/>
+          </a:fontRef>
+        </p:style>
+      </p:cxnSp>
     </p:spTree>
     <p:extLst>
       <p:ext uri="{BB962C8B-B14F-4D97-AF65-F5344CB8AC3E}">

--- a/Seismic Drones/CASE-2016/pictures/introduction_fig_1.pptx
+++ b/Seismic Drones/CASE-2016/pictures/introduction_fig_1.pptx
@@ -243,7 +243,7 @@
           <a:p>
             <a:fld id="{3EEE211C-6934-40BB-B212-2EF4984C09F6}" type="datetimeFigureOut">
               <a:rPr lang="en-US" smtClean="0"/>
-              <a:t>3/8/2016</a:t>
+              <a:t>3/10/2016</a:t>
             </a:fld>
             <a:endParaRPr lang="en-US"/>
           </a:p>
@@ -413,7 +413,7 @@
           <a:p>
             <a:fld id="{3EEE211C-6934-40BB-B212-2EF4984C09F6}" type="datetimeFigureOut">
               <a:rPr lang="en-US" smtClean="0"/>
-              <a:t>3/8/2016</a:t>
+              <a:t>3/10/2016</a:t>
             </a:fld>
             <a:endParaRPr lang="en-US"/>
           </a:p>
@@ -593,7 +593,7 @@
           <a:p>
             <a:fld id="{3EEE211C-6934-40BB-B212-2EF4984C09F6}" type="datetimeFigureOut">
               <a:rPr lang="en-US" smtClean="0"/>
-              <a:t>3/8/2016</a:t>
+              <a:t>3/10/2016</a:t>
             </a:fld>
             <a:endParaRPr lang="en-US"/>
           </a:p>
@@ -763,7 +763,7 @@
           <a:p>
             <a:fld id="{3EEE211C-6934-40BB-B212-2EF4984C09F6}" type="datetimeFigureOut">
               <a:rPr lang="en-US" smtClean="0"/>
-              <a:t>3/8/2016</a:t>
+              <a:t>3/10/2016</a:t>
             </a:fld>
             <a:endParaRPr lang="en-US"/>
           </a:p>
@@ -1007,7 +1007,7 @@
           <a:p>
             <a:fld id="{3EEE211C-6934-40BB-B212-2EF4984C09F6}" type="datetimeFigureOut">
               <a:rPr lang="en-US" smtClean="0"/>
-              <a:t>3/8/2016</a:t>
+              <a:t>3/10/2016</a:t>
             </a:fld>
             <a:endParaRPr lang="en-US"/>
           </a:p>
@@ -1239,7 +1239,7 @@
           <a:p>
             <a:fld id="{3EEE211C-6934-40BB-B212-2EF4984C09F6}" type="datetimeFigureOut">
               <a:rPr lang="en-US" smtClean="0"/>
-              <a:t>3/8/2016</a:t>
+              <a:t>3/10/2016</a:t>
             </a:fld>
             <a:endParaRPr lang="en-US"/>
           </a:p>
@@ -1606,7 +1606,7 @@
           <a:p>
             <a:fld id="{3EEE211C-6934-40BB-B212-2EF4984C09F6}" type="datetimeFigureOut">
               <a:rPr lang="en-US" smtClean="0"/>
-              <a:t>3/8/2016</a:t>
+              <a:t>3/10/2016</a:t>
             </a:fld>
             <a:endParaRPr lang="en-US"/>
           </a:p>
@@ -1724,7 +1724,7 @@
           <a:p>
             <a:fld id="{3EEE211C-6934-40BB-B212-2EF4984C09F6}" type="datetimeFigureOut">
               <a:rPr lang="en-US" smtClean="0"/>
-              <a:t>3/8/2016</a:t>
+              <a:t>3/10/2016</a:t>
             </a:fld>
             <a:endParaRPr lang="en-US"/>
           </a:p>
@@ -1819,7 +1819,7 @@
           <a:p>
             <a:fld id="{3EEE211C-6934-40BB-B212-2EF4984C09F6}" type="datetimeFigureOut">
               <a:rPr lang="en-US" smtClean="0"/>
-              <a:t>3/8/2016</a:t>
+              <a:t>3/10/2016</a:t>
             </a:fld>
             <a:endParaRPr lang="en-US"/>
           </a:p>
@@ -2096,7 +2096,7 @@
           <a:p>
             <a:fld id="{3EEE211C-6934-40BB-B212-2EF4984C09F6}" type="datetimeFigureOut">
               <a:rPr lang="en-US" smtClean="0"/>
-              <a:t>3/8/2016</a:t>
+              <a:t>3/10/2016</a:t>
             </a:fld>
             <a:endParaRPr lang="en-US"/>
           </a:p>
@@ -2353,7 +2353,7 @@
           <a:p>
             <a:fld id="{3EEE211C-6934-40BB-B212-2EF4984C09F6}" type="datetimeFigureOut">
               <a:rPr lang="en-US" smtClean="0"/>
-              <a:t>3/8/2016</a:t>
+              <a:t>3/10/2016</a:t>
             </a:fld>
             <a:endParaRPr lang="en-US"/>
           </a:p>
@@ -2566,7 +2566,7 @@
           <a:p>
             <a:fld id="{3EEE211C-6934-40BB-B212-2EF4984C09F6}" type="datetimeFigureOut">
               <a:rPr lang="en-US" smtClean="0"/>
-              <a:t>3/8/2016</a:t>
+              <a:t>3/10/2016</a:t>
             </a:fld>
             <a:endParaRPr lang="en-US"/>
           </a:p>
@@ -3272,6 +3272,9 @@
                 <a:alpha val="50000"/>
               </a:schemeClr>
             </a:solidFill>
+            <a:ln>
+              <a:noFill/>
+            </a:ln>
             <a:effectLst>
               <a:glow rad="127000">
                 <a:schemeClr val="accent1">
@@ -3321,6 +3324,9 @@
               <a:avLst/>
             </a:prstGeom>
             <a:noFill/>
+            <a:ln>
+              <a:noFill/>
+            </a:ln>
           </p:spPr>
           <p:txBody>
             <a:bodyPr wrap="square" rtlCol="0">
@@ -3371,6 +3377,9 @@
                 <a:alpha val="50000"/>
               </a:schemeClr>
             </a:solidFill>
+            <a:ln>
+              <a:noFill/>
+            </a:ln>
             <a:effectLst>
               <a:glow rad="127000">
                 <a:schemeClr val="accent1">
@@ -3420,6 +3429,9 @@
               <a:avLst/>
             </a:prstGeom>
             <a:noFill/>
+            <a:ln>
+              <a:noFill/>
+            </a:ln>
           </p:spPr>
           <p:txBody>
             <a:bodyPr wrap="square" rtlCol="0">
@@ -3470,6 +3482,9 @@
                 <a:alpha val="50000"/>
               </a:schemeClr>
             </a:solidFill>
+            <a:ln>
+              <a:noFill/>
+            </a:ln>
             <a:effectLst>
               <a:glow rad="127000">
                 <a:schemeClr val="accent1">
@@ -3519,6 +3534,9 @@
               <a:avLst/>
             </a:prstGeom>
             <a:noFill/>
+            <a:ln>
+              <a:noFill/>
+            </a:ln>
           </p:spPr>
           <p:txBody>
             <a:bodyPr wrap="square" rtlCol="0">

--- a/Seismic Drones/CASE-2016/pictures/introduction_fig_1.pptx
+++ b/Seismic Drones/CASE-2016/pictures/introduction_fig_1.pptx
@@ -243,7 +243,7 @@
           <a:p>
             <a:fld id="{3EEE211C-6934-40BB-B212-2EF4984C09F6}" type="datetimeFigureOut">
               <a:rPr lang="en-US" smtClean="0"/>
-              <a:t>3/10/2016</a:t>
+              <a:t>3/21/2016</a:t>
             </a:fld>
             <a:endParaRPr lang="en-US"/>
           </a:p>
@@ -413,7 +413,7 @@
           <a:p>
             <a:fld id="{3EEE211C-6934-40BB-B212-2EF4984C09F6}" type="datetimeFigureOut">
               <a:rPr lang="en-US" smtClean="0"/>
-              <a:t>3/10/2016</a:t>
+              <a:t>3/21/2016</a:t>
             </a:fld>
             <a:endParaRPr lang="en-US"/>
           </a:p>
@@ -593,7 +593,7 @@
           <a:p>
             <a:fld id="{3EEE211C-6934-40BB-B212-2EF4984C09F6}" type="datetimeFigureOut">
               <a:rPr lang="en-US" smtClean="0"/>
-              <a:t>3/10/2016</a:t>
+              <a:t>3/21/2016</a:t>
             </a:fld>
             <a:endParaRPr lang="en-US"/>
           </a:p>
@@ -763,7 +763,7 @@
           <a:p>
             <a:fld id="{3EEE211C-6934-40BB-B212-2EF4984C09F6}" type="datetimeFigureOut">
               <a:rPr lang="en-US" smtClean="0"/>
-              <a:t>3/10/2016</a:t>
+              <a:t>3/21/2016</a:t>
             </a:fld>
             <a:endParaRPr lang="en-US"/>
           </a:p>
@@ -1007,7 +1007,7 @@
           <a:p>
             <a:fld id="{3EEE211C-6934-40BB-B212-2EF4984C09F6}" type="datetimeFigureOut">
               <a:rPr lang="en-US" smtClean="0"/>
-              <a:t>3/10/2016</a:t>
+              <a:t>3/21/2016</a:t>
             </a:fld>
             <a:endParaRPr lang="en-US"/>
           </a:p>
@@ -1239,7 +1239,7 @@
           <a:p>
             <a:fld id="{3EEE211C-6934-40BB-B212-2EF4984C09F6}" type="datetimeFigureOut">
               <a:rPr lang="en-US" smtClean="0"/>
-              <a:t>3/10/2016</a:t>
+              <a:t>3/21/2016</a:t>
             </a:fld>
             <a:endParaRPr lang="en-US"/>
           </a:p>
@@ -1606,7 +1606,7 @@
           <a:p>
             <a:fld id="{3EEE211C-6934-40BB-B212-2EF4984C09F6}" type="datetimeFigureOut">
               <a:rPr lang="en-US" smtClean="0"/>
-              <a:t>3/10/2016</a:t>
+              <a:t>3/21/2016</a:t>
             </a:fld>
             <a:endParaRPr lang="en-US"/>
           </a:p>
@@ -1724,7 +1724,7 @@
           <a:p>
             <a:fld id="{3EEE211C-6934-40BB-B212-2EF4984C09F6}" type="datetimeFigureOut">
               <a:rPr lang="en-US" smtClean="0"/>
-              <a:t>3/10/2016</a:t>
+              <a:t>3/21/2016</a:t>
             </a:fld>
             <a:endParaRPr lang="en-US"/>
           </a:p>
@@ -1819,7 +1819,7 @@
           <a:p>
             <a:fld id="{3EEE211C-6934-40BB-B212-2EF4984C09F6}" type="datetimeFigureOut">
               <a:rPr lang="en-US" smtClean="0"/>
-              <a:t>3/10/2016</a:t>
+              <a:t>3/21/2016</a:t>
             </a:fld>
             <a:endParaRPr lang="en-US"/>
           </a:p>
@@ -2096,7 +2096,7 @@
           <a:p>
             <a:fld id="{3EEE211C-6934-40BB-B212-2EF4984C09F6}" type="datetimeFigureOut">
               <a:rPr lang="en-US" smtClean="0"/>
-              <a:t>3/10/2016</a:t>
+              <a:t>3/21/2016</a:t>
             </a:fld>
             <a:endParaRPr lang="en-US"/>
           </a:p>
@@ -2353,7 +2353,7 @@
           <a:p>
             <a:fld id="{3EEE211C-6934-40BB-B212-2EF4984C09F6}" type="datetimeFigureOut">
               <a:rPr lang="en-US" smtClean="0"/>
-              <a:t>3/10/2016</a:t>
+              <a:t>3/21/2016</a:t>
             </a:fld>
             <a:endParaRPr lang="en-US"/>
           </a:p>
@@ -2566,7 +2566,7 @@
           <a:p>
             <a:fld id="{3EEE211C-6934-40BB-B212-2EF4984C09F6}" type="datetimeFigureOut">
               <a:rPr lang="en-US" smtClean="0"/>
-              <a:t>3/10/2016</a:t>
+              <a:t>3/21/2016</a:t>
             </a:fld>
             <a:endParaRPr lang="en-US"/>
           </a:p>
@@ -3092,153 +3092,8 @@
               </a:prstGeom>
             </p:spPr>
           </p:pic>
-          <p:sp>
-            <p:nvSpPr>
-              <p:cNvPr id="7" name="TextBox 6"/>
-              <p:cNvSpPr txBox="1"/>
-              <p:nvPr/>
-            </p:nvSpPr>
-            <p:spPr>
-              <a:xfrm>
-                <a:off x="126631" y="208589"/>
-                <a:ext cx="494676" cy="316882"/>
-              </a:xfrm>
-              <a:prstGeom prst="rect">
-                <a:avLst/>
-              </a:prstGeom>
-              <a:noFill/>
-            </p:spPr>
-            <p:txBody>
-              <a:bodyPr wrap="square" rtlCol="0">
-                <a:spAutoFit/>
-              </a:bodyPr>
-              <a:lstStyle/>
-              <a:p>
-                <a:r>
-                  <a:rPr lang="en-US" dirty="0">
-                    <a:solidFill>
-                      <a:schemeClr val="bg1"/>
-                    </a:solidFill>
-                  </a:rPr>
-                  <a:t>a.</a:t>
-                </a:r>
-              </a:p>
-            </p:txBody>
-          </p:sp>
-          <p:sp>
-            <p:nvSpPr>
-              <p:cNvPr id="9" name="TextBox 8"/>
-              <p:cNvSpPr txBox="1"/>
-              <p:nvPr/>
-            </p:nvSpPr>
-            <p:spPr>
-              <a:xfrm>
-                <a:off x="2272928" y="208589"/>
-                <a:ext cx="494676" cy="316882"/>
-              </a:xfrm>
-              <a:prstGeom prst="rect">
-                <a:avLst/>
-              </a:prstGeom>
-              <a:noFill/>
-            </p:spPr>
-            <p:txBody>
-              <a:bodyPr wrap="square" rtlCol="0">
-                <a:spAutoFit/>
-              </a:bodyPr>
-              <a:lstStyle/>
-              <a:p>
-                <a:r>
-                  <a:rPr lang="en-US" dirty="0">
-                    <a:solidFill>
-                      <a:schemeClr val="bg1"/>
-                    </a:solidFill>
-                  </a:rPr>
-                  <a:t>b.</a:t>
-                </a:r>
-              </a:p>
-            </p:txBody>
-          </p:sp>
-          <p:sp>
-            <p:nvSpPr>
-              <p:cNvPr id="12" name="TextBox 11"/>
-              <p:cNvSpPr txBox="1"/>
-              <p:nvPr/>
-            </p:nvSpPr>
-            <p:spPr>
-              <a:xfrm>
-                <a:off x="126148" y="2932275"/>
-                <a:ext cx="494676" cy="316882"/>
-              </a:xfrm>
-              <a:prstGeom prst="rect">
-                <a:avLst/>
-              </a:prstGeom>
-              <a:noFill/>
-            </p:spPr>
-            <p:txBody>
-              <a:bodyPr wrap="square" rtlCol="0">
-                <a:spAutoFit/>
-              </a:bodyPr>
-              <a:lstStyle/>
-              <a:p>
-                <a:r>
-                  <a:rPr lang="en-US" dirty="0">
-                    <a:solidFill>
-                      <a:schemeClr val="bg1"/>
-                    </a:solidFill>
-                  </a:rPr>
-                  <a:t>c.</a:t>
-                </a:r>
-              </a:p>
-            </p:txBody>
-          </p:sp>
         </p:grpSp>
       </p:grpSp>
-      <p:sp>
-        <p:nvSpPr>
-          <p:cNvPr id="2" name="Oval 1"/>
-          <p:cNvSpPr/>
-          <p:nvPr/>
-        </p:nvSpPr>
-        <p:spPr>
-          <a:xfrm>
-            <a:off x="2841171" y="4996543"/>
-            <a:ext cx="587829" cy="1150009"/>
-          </a:xfrm>
-          <a:prstGeom prst="ellipse">
-            <a:avLst/>
-          </a:prstGeom>
-          <a:noFill/>
-          <a:ln w="28575">
-            <a:solidFill>
-              <a:schemeClr val="tx1"/>
-            </a:solidFill>
-          </a:ln>
-        </p:spPr>
-        <p:style>
-          <a:lnRef idx="2">
-            <a:schemeClr val="accent1">
-              <a:shade val="50000"/>
-            </a:schemeClr>
-          </a:lnRef>
-          <a:fillRef idx="1">
-            <a:schemeClr val="accent1"/>
-          </a:fillRef>
-          <a:effectRef idx="0">
-            <a:schemeClr val="accent1"/>
-          </a:effectRef>
-          <a:fontRef idx="minor">
-            <a:schemeClr val="lt1"/>
-          </a:fontRef>
-        </p:style>
-        <p:txBody>
-          <a:bodyPr rtlCol="0" anchor="ctr"/>
-          <a:lstStyle/>
-          <a:p>
-            <a:pPr algn="ctr"/>
-            <a:endParaRPr lang="en-US"/>
-          </a:p>
-        </p:txBody>
-      </p:sp>
       <p:grpSp>
         <p:nvGrpSpPr>
           <p:cNvPr id="13" name="Group 12"/>
@@ -3556,20 +3411,22 @@
       <p:cxnSp>
         <p:nvCxnSpPr>
           <p:cNvPr id="27" name="Straight Arrow Connector 26"/>
-          <p:cNvCxnSpPr/>
+          <p:cNvCxnSpPr>
+            <a:stCxn id="5" idx="2"/>
+          </p:cNvCxnSpPr>
           <p:nvPr/>
         </p:nvCxnSpPr>
         <p:spPr>
-          <a:xfrm flipV="1">
-            <a:off x="3134364" y="4645479"/>
-            <a:ext cx="151760" cy="351064"/>
+          <a:xfrm flipH="1">
+            <a:off x="3181686" y="4645479"/>
+            <a:ext cx="104439" cy="308390"/>
           </a:xfrm>
           <a:prstGeom prst="straightConnector1">
             <a:avLst/>
           </a:prstGeom>
           <a:ln w="28575">
             <a:solidFill>
-              <a:schemeClr val="tx1"/>
+              <a:schemeClr val="bg1"/>
             </a:solidFill>
             <a:tailEnd type="triangle"/>
           </a:ln>
@@ -3592,13 +3449,11 @@
       <p:cxnSp>
         <p:nvCxnSpPr>
           <p:cNvPr id="29" name="Straight Arrow Connector 28"/>
-          <p:cNvCxnSpPr>
-            <a:endCxn id="14" idx="0"/>
-          </p:cNvCxnSpPr>
+          <p:cNvCxnSpPr/>
           <p:nvPr/>
         </p:nvCxnSpPr>
         <p:spPr>
-          <a:xfrm flipH="1">
+          <a:xfrm flipH="1" flipV="1">
             <a:off x="1853401" y="5220483"/>
             <a:ext cx="210373" cy="356506"/>
           </a:xfrm>
@@ -3607,7 +3462,7 @@
           </a:prstGeom>
           <a:ln w="28575">
             <a:solidFill>
-              <a:schemeClr val="tx1"/>
+              <a:schemeClr val="bg1"/>
             </a:solidFill>
             <a:tailEnd type="triangle"/>
           </a:ln>
@@ -3631,21 +3486,21 @@
         <p:nvCxnSpPr>
           <p:cNvPr id="31" name="Straight Arrow Connector 30"/>
           <p:cNvCxnSpPr>
-            <a:endCxn id="17" idx="2"/>
+            <a:stCxn id="17" idx="2"/>
           </p:cNvCxnSpPr>
           <p:nvPr/>
         </p:nvCxnSpPr>
         <p:spPr>
-          <a:xfrm flipH="1" flipV="1">
+          <a:xfrm>
             <a:off x="761486" y="4412242"/>
-            <a:ext cx="724414" cy="401400"/>
+            <a:ext cx="806057" cy="347538"/>
           </a:xfrm>
           <a:prstGeom prst="straightConnector1">
             <a:avLst/>
           </a:prstGeom>
           <a:ln w="28575">
             <a:solidFill>
-              <a:schemeClr val="tx1"/>
+              <a:schemeClr val="bg1"/>
             </a:solidFill>
             <a:tailEnd type="triangle"/>
           </a:ln>
@@ -3665,6 +3520,621 @@
           </a:fontRef>
         </p:style>
       </p:cxnSp>
+      <p:grpSp>
+        <p:nvGrpSpPr>
+          <p:cNvPr id="38" name="Group 37"/>
+          <p:cNvGrpSpPr/>
+          <p:nvPr/>
+        </p:nvGrpSpPr>
+        <p:grpSpPr>
+          <a:xfrm>
+            <a:off x="116507" y="80718"/>
+            <a:ext cx="337458" cy="296323"/>
+            <a:chOff x="4580164" y="3853543"/>
+            <a:chExt cx="1289957" cy="759279"/>
+          </a:xfrm>
+        </p:grpSpPr>
+        <p:sp>
+          <p:nvSpPr>
+            <p:cNvPr id="39" name="Rectangle 38"/>
+            <p:cNvSpPr/>
+            <p:nvPr/>
+          </p:nvSpPr>
+          <p:spPr>
+            <a:xfrm>
+              <a:off x="4580164" y="3853543"/>
+              <a:ext cx="1289957" cy="759279"/>
+            </a:xfrm>
+            <a:prstGeom prst="rect">
+              <a:avLst/>
+            </a:prstGeom>
+            <a:solidFill>
+              <a:schemeClr val="accent1">
+                <a:alpha val="50000"/>
+              </a:schemeClr>
+            </a:solidFill>
+            <a:ln>
+              <a:noFill/>
+            </a:ln>
+            <a:effectLst>
+              <a:glow rad="127000">
+                <a:schemeClr val="accent1">
+                  <a:alpha val="0"/>
+                </a:schemeClr>
+              </a:glow>
+              <a:reflection stA="0" endPos="65000" dist="50800" dir="5400000" sy="-100000" algn="bl" rotWithShape="0"/>
+            </a:effectLst>
+          </p:spPr>
+          <p:style>
+            <a:lnRef idx="2">
+              <a:schemeClr val="accent1">
+                <a:shade val="50000"/>
+              </a:schemeClr>
+            </a:lnRef>
+            <a:fillRef idx="1">
+              <a:schemeClr val="accent1"/>
+            </a:fillRef>
+            <a:effectRef idx="0">
+              <a:schemeClr val="accent1"/>
+            </a:effectRef>
+            <a:fontRef idx="minor">
+              <a:schemeClr val="lt1"/>
+            </a:fontRef>
+          </p:style>
+          <p:txBody>
+            <a:bodyPr rtlCol="0" anchor="ctr"/>
+            <a:lstStyle/>
+            <a:p>
+              <a:pPr algn="ctr"/>
+              <a:endParaRPr lang="en-US"/>
+            </a:p>
+          </p:txBody>
+        </p:sp>
+        <p:sp>
+          <p:nvSpPr>
+            <p:cNvPr id="40" name="TextBox 39"/>
+            <p:cNvSpPr txBox="1"/>
+            <p:nvPr/>
+          </p:nvSpPr>
+          <p:spPr>
+            <a:xfrm>
+              <a:off x="4580164" y="3869926"/>
+              <a:ext cx="1281793" cy="309187"/>
+            </a:xfrm>
+            <a:prstGeom prst="rect">
+              <a:avLst/>
+            </a:prstGeom>
+            <a:noFill/>
+            <a:ln>
+              <a:noFill/>
+            </a:ln>
+          </p:spPr>
+          <p:txBody>
+            <a:bodyPr wrap="square" rtlCol="0">
+              <a:spAutoFit/>
+            </a:bodyPr>
+            <a:lstStyle/>
+            <a:p>
+              <a:pPr algn="ctr"/>
+              <a:r>
+                <a:rPr lang="en-US" dirty="0" smtClean="0">
+                  <a:solidFill>
+                    <a:schemeClr val="bg1"/>
+                  </a:solidFill>
+                </a:rPr>
+                <a:t>a.</a:t>
+              </a:r>
+              <a:endParaRPr lang="en-US" dirty="0">
+                <a:solidFill>
+                  <a:schemeClr val="bg1"/>
+                </a:solidFill>
+              </a:endParaRPr>
+            </a:p>
+          </p:txBody>
+        </p:sp>
+      </p:grpSp>
+      <p:grpSp>
+        <p:nvGrpSpPr>
+          <p:cNvPr id="41" name="Group 40"/>
+          <p:cNvGrpSpPr/>
+          <p:nvPr/>
+        </p:nvGrpSpPr>
+        <p:grpSpPr>
+          <a:xfrm>
+            <a:off x="141586" y="2808336"/>
+            <a:ext cx="337458" cy="315581"/>
+            <a:chOff x="4580164" y="3853543"/>
+            <a:chExt cx="1289957" cy="808625"/>
+          </a:xfrm>
+        </p:grpSpPr>
+        <p:sp>
+          <p:nvSpPr>
+            <p:cNvPr id="42" name="Rectangle 41"/>
+            <p:cNvSpPr/>
+            <p:nvPr/>
+          </p:nvSpPr>
+          <p:spPr>
+            <a:xfrm>
+              <a:off x="4580164" y="3853543"/>
+              <a:ext cx="1289957" cy="759279"/>
+            </a:xfrm>
+            <a:prstGeom prst="rect">
+              <a:avLst/>
+            </a:prstGeom>
+            <a:solidFill>
+              <a:schemeClr val="accent1">
+                <a:alpha val="50000"/>
+              </a:schemeClr>
+            </a:solidFill>
+            <a:ln>
+              <a:noFill/>
+            </a:ln>
+            <a:effectLst>
+              <a:glow rad="127000">
+                <a:schemeClr val="accent1">
+                  <a:alpha val="0"/>
+                </a:schemeClr>
+              </a:glow>
+              <a:reflection stA="0" endPos="65000" dist="50800" dir="5400000" sy="-100000" algn="bl" rotWithShape="0"/>
+            </a:effectLst>
+          </p:spPr>
+          <p:style>
+            <a:lnRef idx="2">
+              <a:schemeClr val="accent1">
+                <a:shade val="50000"/>
+              </a:schemeClr>
+            </a:lnRef>
+            <a:fillRef idx="1">
+              <a:schemeClr val="accent1"/>
+            </a:fillRef>
+            <a:effectRef idx="0">
+              <a:schemeClr val="accent1"/>
+            </a:effectRef>
+            <a:fontRef idx="minor">
+              <a:schemeClr val="lt1"/>
+            </a:fontRef>
+          </p:style>
+          <p:txBody>
+            <a:bodyPr rtlCol="0" anchor="ctr"/>
+            <a:lstStyle/>
+            <a:p>
+              <a:pPr algn="ctr"/>
+              <a:endParaRPr lang="en-US"/>
+            </a:p>
+          </p:txBody>
+        </p:sp>
+        <p:sp>
+          <p:nvSpPr>
+            <p:cNvPr id="43" name="TextBox 42"/>
+            <p:cNvSpPr txBox="1"/>
+            <p:nvPr/>
+          </p:nvSpPr>
+          <p:spPr>
+            <a:xfrm>
+              <a:off x="4580164" y="3869927"/>
+              <a:ext cx="1281792" cy="792241"/>
+            </a:xfrm>
+            <a:prstGeom prst="rect">
+              <a:avLst/>
+            </a:prstGeom>
+            <a:noFill/>
+            <a:ln>
+              <a:noFill/>
+            </a:ln>
+          </p:spPr>
+          <p:txBody>
+            <a:bodyPr wrap="square" rtlCol="0">
+              <a:spAutoFit/>
+            </a:bodyPr>
+            <a:lstStyle/>
+            <a:p>
+              <a:pPr algn="ctr"/>
+              <a:r>
+                <a:rPr lang="en-US" dirty="0">
+                  <a:solidFill>
+                    <a:schemeClr val="bg1"/>
+                  </a:solidFill>
+                </a:rPr>
+                <a:t>c</a:t>
+              </a:r>
+              <a:r>
+                <a:rPr lang="en-US" dirty="0" smtClean="0">
+                  <a:solidFill>
+                    <a:schemeClr val="bg1"/>
+                  </a:solidFill>
+                </a:rPr>
+                <a:t>.</a:t>
+              </a:r>
+              <a:endParaRPr lang="en-US" dirty="0">
+                <a:solidFill>
+                  <a:schemeClr val="bg1"/>
+                </a:solidFill>
+              </a:endParaRPr>
+            </a:p>
+          </p:txBody>
+        </p:sp>
+      </p:grpSp>
+      <p:grpSp>
+        <p:nvGrpSpPr>
+          <p:cNvPr id="44" name="Group 43"/>
+          <p:cNvGrpSpPr/>
+          <p:nvPr/>
+        </p:nvGrpSpPr>
+        <p:grpSpPr>
+          <a:xfrm>
+            <a:off x="2297471" y="74324"/>
+            <a:ext cx="337458" cy="315581"/>
+            <a:chOff x="4580164" y="3853543"/>
+            <a:chExt cx="1289957" cy="808625"/>
+          </a:xfrm>
+        </p:grpSpPr>
+        <p:sp>
+          <p:nvSpPr>
+            <p:cNvPr id="45" name="Rectangle 44"/>
+            <p:cNvSpPr/>
+            <p:nvPr/>
+          </p:nvSpPr>
+          <p:spPr>
+            <a:xfrm>
+              <a:off x="4580164" y="3853543"/>
+              <a:ext cx="1289957" cy="759279"/>
+            </a:xfrm>
+            <a:prstGeom prst="rect">
+              <a:avLst/>
+            </a:prstGeom>
+            <a:solidFill>
+              <a:schemeClr val="accent1">
+                <a:alpha val="50000"/>
+              </a:schemeClr>
+            </a:solidFill>
+            <a:ln>
+              <a:noFill/>
+            </a:ln>
+            <a:effectLst>
+              <a:glow rad="127000">
+                <a:schemeClr val="accent1">
+                  <a:alpha val="0"/>
+                </a:schemeClr>
+              </a:glow>
+              <a:reflection stA="0" endPos="65000" dist="50800" dir="5400000" sy="-100000" algn="bl" rotWithShape="0"/>
+            </a:effectLst>
+          </p:spPr>
+          <p:style>
+            <a:lnRef idx="2">
+              <a:schemeClr val="accent1">
+                <a:shade val="50000"/>
+              </a:schemeClr>
+            </a:lnRef>
+            <a:fillRef idx="1">
+              <a:schemeClr val="accent1"/>
+            </a:fillRef>
+            <a:effectRef idx="0">
+              <a:schemeClr val="accent1"/>
+            </a:effectRef>
+            <a:fontRef idx="minor">
+              <a:schemeClr val="lt1"/>
+            </a:fontRef>
+          </p:style>
+          <p:txBody>
+            <a:bodyPr rtlCol="0" anchor="ctr"/>
+            <a:lstStyle/>
+            <a:p>
+              <a:pPr algn="ctr"/>
+              <a:endParaRPr lang="en-US"/>
+            </a:p>
+          </p:txBody>
+        </p:sp>
+        <p:sp>
+          <p:nvSpPr>
+            <p:cNvPr id="46" name="TextBox 45"/>
+            <p:cNvSpPr txBox="1"/>
+            <p:nvPr/>
+          </p:nvSpPr>
+          <p:spPr>
+            <a:xfrm>
+              <a:off x="4580164" y="3869927"/>
+              <a:ext cx="1281792" cy="792241"/>
+            </a:xfrm>
+            <a:prstGeom prst="rect">
+              <a:avLst/>
+            </a:prstGeom>
+            <a:noFill/>
+            <a:ln>
+              <a:noFill/>
+            </a:ln>
+          </p:spPr>
+          <p:txBody>
+            <a:bodyPr wrap="square" rtlCol="0">
+              <a:spAutoFit/>
+            </a:bodyPr>
+            <a:lstStyle/>
+            <a:p>
+              <a:pPr algn="ctr"/>
+              <a:r>
+                <a:rPr lang="en-US" dirty="0">
+                  <a:solidFill>
+                    <a:schemeClr val="bg1"/>
+                  </a:solidFill>
+                </a:rPr>
+                <a:t>b</a:t>
+              </a:r>
+              <a:r>
+                <a:rPr lang="en-US" dirty="0" smtClean="0">
+                  <a:solidFill>
+                    <a:schemeClr val="bg1"/>
+                  </a:solidFill>
+                </a:rPr>
+                <a:t>.</a:t>
+              </a:r>
+              <a:endParaRPr lang="en-US" dirty="0">
+                <a:solidFill>
+                  <a:schemeClr val="bg1"/>
+                </a:solidFill>
+              </a:endParaRPr>
+            </a:p>
+          </p:txBody>
+        </p:sp>
+      </p:grpSp>
+      <p:grpSp>
+        <p:nvGrpSpPr>
+          <p:cNvPr id="66" name="Group 65"/>
+          <p:cNvGrpSpPr/>
+          <p:nvPr/>
+        </p:nvGrpSpPr>
+        <p:grpSpPr>
+          <a:xfrm>
+            <a:off x="2767693" y="4953869"/>
+            <a:ext cx="830282" cy="1133680"/>
+            <a:chOff x="2873829" y="4953869"/>
+            <a:chExt cx="522515" cy="1133680"/>
+          </a:xfrm>
+        </p:grpSpPr>
+        <p:cxnSp>
+          <p:nvCxnSpPr>
+            <p:cNvPr id="49" name="Straight Connector 48"/>
+            <p:cNvCxnSpPr/>
+            <p:nvPr/>
+          </p:nvCxnSpPr>
+          <p:spPr>
+            <a:xfrm>
+              <a:off x="2873829" y="4953869"/>
+              <a:ext cx="522514" cy="32657"/>
+            </a:xfrm>
+            <a:prstGeom prst="line">
+              <a:avLst/>
+            </a:prstGeom>
+            <a:ln w="28575">
+              <a:solidFill>
+                <a:schemeClr val="bg1"/>
+              </a:solidFill>
+            </a:ln>
+          </p:spPr>
+          <p:style>
+            <a:lnRef idx="1">
+              <a:schemeClr val="accent1"/>
+            </a:lnRef>
+            <a:fillRef idx="0">
+              <a:schemeClr val="accent1"/>
+            </a:fillRef>
+            <a:effectRef idx="0">
+              <a:schemeClr val="accent1"/>
+            </a:effectRef>
+            <a:fontRef idx="minor">
+              <a:schemeClr val="tx1"/>
+            </a:fontRef>
+          </p:style>
+        </p:cxnSp>
+        <p:cxnSp>
+          <p:nvCxnSpPr>
+            <p:cNvPr id="51" name="Straight Connector 50"/>
+            <p:cNvCxnSpPr/>
+            <p:nvPr/>
+          </p:nvCxnSpPr>
+          <p:spPr>
+            <a:xfrm>
+              <a:off x="3388179" y="4986527"/>
+              <a:ext cx="8164" cy="293913"/>
+            </a:xfrm>
+            <a:prstGeom prst="line">
+              <a:avLst/>
+            </a:prstGeom>
+            <a:ln w="28575">
+              <a:solidFill>
+                <a:schemeClr val="bg1"/>
+              </a:solidFill>
+            </a:ln>
+          </p:spPr>
+          <p:style>
+            <a:lnRef idx="1">
+              <a:schemeClr val="accent1"/>
+            </a:lnRef>
+            <a:fillRef idx="0">
+              <a:schemeClr val="accent1"/>
+            </a:fillRef>
+            <a:effectRef idx="0">
+              <a:schemeClr val="accent1"/>
+            </a:effectRef>
+            <a:fontRef idx="minor">
+              <a:schemeClr val="tx1"/>
+            </a:fontRef>
+          </p:style>
+        </p:cxnSp>
+        <p:cxnSp>
+          <p:nvCxnSpPr>
+            <p:cNvPr id="53" name="Straight Connector 52"/>
+            <p:cNvCxnSpPr/>
+            <p:nvPr/>
+          </p:nvCxnSpPr>
+          <p:spPr>
+            <a:xfrm flipH="1">
+              <a:off x="2881994" y="4953869"/>
+              <a:ext cx="1" cy="326571"/>
+            </a:xfrm>
+            <a:prstGeom prst="line">
+              <a:avLst/>
+            </a:prstGeom>
+            <a:ln w="28575">
+              <a:solidFill>
+                <a:schemeClr val="bg1"/>
+              </a:solidFill>
+            </a:ln>
+          </p:spPr>
+          <p:style>
+            <a:lnRef idx="1">
+              <a:schemeClr val="accent1"/>
+            </a:lnRef>
+            <a:fillRef idx="0">
+              <a:schemeClr val="accent1"/>
+            </a:fillRef>
+            <a:effectRef idx="0">
+              <a:schemeClr val="accent1"/>
+            </a:effectRef>
+            <a:fontRef idx="minor">
+              <a:schemeClr val="tx1"/>
+            </a:fontRef>
+          </p:style>
+        </p:cxnSp>
+        <p:cxnSp>
+          <p:nvCxnSpPr>
+            <p:cNvPr id="57" name="Straight Connector 56"/>
+            <p:cNvCxnSpPr/>
+            <p:nvPr/>
+          </p:nvCxnSpPr>
+          <p:spPr>
+            <a:xfrm flipH="1">
+              <a:off x="3210244" y="5280440"/>
+              <a:ext cx="186100" cy="0"/>
+            </a:xfrm>
+            <a:prstGeom prst="line">
+              <a:avLst/>
+            </a:prstGeom>
+            <a:ln w="28575">
+              <a:solidFill>
+                <a:schemeClr val="bg1"/>
+              </a:solidFill>
+            </a:ln>
+          </p:spPr>
+          <p:style>
+            <a:lnRef idx="1">
+              <a:schemeClr val="accent1"/>
+            </a:lnRef>
+            <a:fillRef idx="0">
+              <a:schemeClr val="accent1"/>
+            </a:fillRef>
+            <a:effectRef idx="0">
+              <a:schemeClr val="accent1"/>
+            </a:effectRef>
+            <a:fontRef idx="minor">
+              <a:schemeClr val="tx1"/>
+            </a:fontRef>
+          </p:style>
+        </p:cxnSp>
+        <p:cxnSp>
+          <p:nvCxnSpPr>
+            <p:cNvPr id="58" name="Straight Connector 57"/>
+            <p:cNvCxnSpPr/>
+            <p:nvPr/>
+          </p:nvCxnSpPr>
+          <p:spPr>
+            <a:xfrm flipH="1">
+              <a:off x="2881994" y="5280440"/>
+              <a:ext cx="179612" cy="0"/>
+            </a:xfrm>
+            <a:prstGeom prst="line">
+              <a:avLst/>
+            </a:prstGeom>
+            <a:ln w="28575">
+              <a:solidFill>
+                <a:schemeClr val="bg1"/>
+              </a:solidFill>
+            </a:ln>
+          </p:spPr>
+          <p:style>
+            <a:lnRef idx="1">
+              <a:schemeClr val="accent1"/>
+            </a:lnRef>
+            <a:fillRef idx="0">
+              <a:schemeClr val="accent1"/>
+            </a:fillRef>
+            <a:effectRef idx="0">
+              <a:schemeClr val="accent1"/>
+            </a:effectRef>
+            <a:fontRef idx="minor">
+              <a:schemeClr val="tx1"/>
+            </a:fontRef>
+          </p:style>
+        </p:cxnSp>
+        <p:cxnSp>
+          <p:nvCxnSpPr>
+            <p:cNvPr id="63" name="Straight Connector 62"/>
+            <p:cNvCxnSpPr/>
+            <p:nvPr/>
+          </p:nvCxnSpPr>
+          <p:spPr>
+            <a:xfrm flipH="1">
+              <a:off x="3134364" y="5280440"/>
+              <a:ext cx="75880" cy="752967"/>
+            </a:xfrm>
+            <a:prstGeom prst="line">
+              <a:avLst/>
+            </a:prstGeom>
+            <a:ln w="28575">
+              <a:solidFill>
+                <a:schemeClr val="bg1"/>
+              </a:solidFill>
+            </a:ln>
+          </p:spPr>
+          <p:style>
+            <a:lnRef idx="1">
+              <a:schemeClr val="accent1"/>
+            </a:lnRef>
+            <a:fillRef idx="0">
+              <a:schemeClr val="accent1"/>
+            </a:fillRef>
+            <a:effectRef idx="0">
+              <a:schemeClr val="accent1"/>
+            </a:effectRef>
+            <a:fontRef idx="minor">
+              <a:schemeClr val="tx1"/>
+            </a:fontRef>
+          </p:style>
+        </p:cxnSp>
+        <p:cxnSp>
+          <p:nvCxnSpPr>
+            <p:cNvPr id="65" name="Straight Connector 64"/>
+            <p:cNvCxnSpPr/>
+            <p:nvPr/>
+          </p:nvCxnSpPr>
+          <p:spPr>
+            <a:xfrm>
+              <a:off x="3041048" y="5280439"/>
+              <a:ext cx="102310" cy="807110"/>
+            </a:xfrm>
+            <a:prstGeom prst="line">
+              <a:avLst/>
+            </a:prstGeom>
+            <a:ln w="28575">
+              <a:solidFill>
+                <a:schemeClr val="bg1"/>
+              </a:solidFill>
+            </a:ln>
+          </p:spPr>
+          <p:style>
+            <a:lnRef idx="1">
+              <a:schemeClr val="accent1"/>
+            </a:lnRef>
+            <a:fillRef idx="0">
+              <a:schemeClr val="accent1"/>
+            </a:fillRef>
+            <a:effectRef idx="0">
+              <a:schemeClr val="accent1"/>
+            </a:effectRef>
+            <a:fontRef idx="minor">
+              <a:schemeClr val="tx1"/>
+            </a:fontRef>
+          </p:style>
+        </p:cxnSp>
+      </p:grpSp>
     </p:spTree>
     <p:extLst>
       <p:ext uri="{BB962C8B-B14F-4D97-AF65-F5344CB8AC3E}">
